--- a/Air aware project/Air aware project final presentation.pptx
+++ b/Air aware project/Air aware project final presentation.pptx
@@ -5,7 +5,7 @@
     <p:sldMasterId id="2147483648" r:id="rId1"/>
   </p:sldMasterIdLst>
   <p:notesMasterIdLst>
-    <p:notesMasterId r:id="rId19"/>
+    <p:notesMasterId r:id="rId20"/>
   </p:notesMasterIdLst>
   <p:sldIdLst>
     <p:sldId id="256" r:id="rId2"/>
@@ -21,10 +21,11 @@
     <p:sldId id="271" r:id="rId12"/>
     <p:sldId id="272" r:id="rId13"/>
     <p:sldId id="273" r:id="rId14"/>
-    <p:sldId id="274" r:id="rId15"/>
-    <p:sldId id="276" r:id="rId16"/>
-    <p:sldId id="275" r:id="rId17"/>
-    <p:sldId id="277" r:id="rId18"/>
+    <p:sldId id="278" r:id="rId15"/>
+    <p:sldId id="274" r:id="rId16"/>
+    <p:sldId id="276" r:id="rId17"/>
+    <p:sldId id="275" r:id="rId18"/>
+    <p:sldId id="277" r:id="rId19"/>
   </p:sldIdLst>
   <p:sldSz cx="12192000" cy="6858000"/>
   <p:notesSz cx="6858000" cy="9144000"/>
@@ -134,7 +135,7 @@
 <file path=ppt/revisionInfo.xml><?xml version="1.0" encoding="utf-8"?>
 <p1510:revInfo xmlns:a="http://schemas.openxmlformats.org/drawingml/2006/main" xmlns:r="http://schemas.openxmlformats.org/officeDocument/2006/relationships" xmlns:p1510="http://schemas.microsoft.com/office/powerpoint/2015/10/main">
   <p1510:revLst>
-    <p1510:client id="{60399592-7217-4FF9-9954-3BD98F2A1119}" v="59" dt="2025-12-30T14:32:35.435"/>
+    <p1510:client id="{60399592-7217-4FF9-9954-3BD98F2A1119}" v="75" dt="2026-01-14T07:02:49.221"/>
   </p1510:revLst>
 </p1510:revInfo>
 </file>
@@ -144,7 +145,7 @@
   <pc:docChgLst>
     <pc:chgData name="mallela ruchitha" userId="fda2a83378fd8632" providerId="LiveId" clId="{EBE2AFD5-0948-485D-B727-60231ACFCE2F}"/>
     <pc:docChg chg="undo custSel addSld delSld modSld sldOrd">
-      <pc:chgData name="mallela ruchitha" userId="fda2a83378fd8632" providerId="LiveId" clId="{EBE2AFD5-0948-485D-B727-60231ACFCE2F}" dt="2025-12-30T18:12:33.415" v="892" actId="20577"/>
+      <pc:chgData name="mallela ruchitha" userId="fda2a83378fd8632" providerId="LiveId" clId="{EBE2AFD5-0948-485D-B727-60231ACFCE2F}" dt="2026-01-14T07:03:53.993" v="1050" actId="20577"/>
       <pc:docMkLst>
         <pc:docMk/>
       </pc:docMkLst>
@@ -208,36 +209,6 @@
             <ac:spMk id="3" creationId="{8FE52971-92FF-49C3-221B-701B12D55DC1}"/>
           </ac:spMkLst>
         </pc:spChg>
-      </pc:sldChg>
-      <pc:sldChg chg="modSp del mod">
-        <pc:chgData name="mallela ruchitha" userId="fda2a83378fd8632" providerId="LiveId" clId="{EBE2AFD5-0948-485D-B727-60231ACFCE2F}" dt="2025-12-30T14:48:05.831" v="748" actId="2696"/>
-        <pc:sldMkLst>
-          <pc:docMk/>
-          <pc:sldMk cId="2160983873" sldId="260"/>
-        </pc:sldMkLst>
-        <pc:spChg chg="mod">
-          <ac:chgData name="mallela ruchitha" userId="fda2a83378fd8632" providerId="LiveId" clId="{EBE2AFD5-0948-485D-B727-60231ACFCE2F}" dt="2025-12-30T14:29:35.803" v="686" actId="207"/>
-          <ac:spMkLst>
-            <pc:docMk/>
-            <pc:sldMk cId="2160983873" sldId="260"/>
-            <ac:spMk id="2" creationId="{966E2FC3-68E9-B731-C9FA-C93E9419E9DA}"/>
-          </ac:spMkLst>
-        </pc:spChg>
-        <pc:spChg chg="mod">
-          <ac:chgData name="mallela ruchitha" userId="fda2a83378fd8632" providerId="LiveId" clId="{EBE2AFD5-0948-485D-B727-60231ACFCE2F}" dt="2025-12-30T14:29:14.009" v="684" actId="27636"/>
-          <ac:spMkLst>
-            <pc:docMk/>
-            <pc:sldMk cId="2160983873" sldId="260"/>
-            <ac:spMk id="3" creationId="{D2584799-4073-913A-5B58-ED24280A97EB}"/>
-          </ac:spMkLst>
-        </pc:spChg>
-      </pc:sldChg>
-      <pc:sldChg chg="del">
-        <pc:chgData name="mallela ruchitha" userId="fda2a83378fd8632" providerId="LiveId" clId="{EBE2AFD5-0948-485D-B727-60231ACFCE2F}" dt="2025-12-30T14:24:14.500" v="398" actId="2696"/>
-        <pc:sldMkLst>
-          <pc:docMk/>
-          <pc:sldMk cId="3188277621" sldId="262"/>
-        </pc:sldMkLst>
       </pc:sldChg>
       <pc:sldChg chg="addSp modSp new mod">
         <pc:chgData name="mallela ruchitha" userId="fda2a83378fd8632" providerId="LiveId" clId="{EBE2AFD5-0948-485D-B727-60231ACFCE2F}" dt="2025-12-30T18:04:38.566" v="863" actId="1076"/>
@@ -315,44 +286,6 @@
           </ac:spMkLst>
         </pc:spChg>
       </pc:sldChg>
-      <pc:sldChg chg="add del">
-        <pc:chgData name="mallela ruchitha" userId="fda2a83378fd8632" providerId="LiveId" clId="{EBE2AFD5-0948-485D-B727-60231ACFCE2F}" dt="2025-12-30T13:37:51.649" v="129"/>
-        <pc:sldMkLst>
-          <pc:docMk/>
-          <pc:sldMk cId="608049158" sldId="267"/>
-        </pc:sldMkLst>
-      </pc:sldChg>
-      <pc:sldChg chg="addSp delSp modSp new del mod">
-        <pc:chgData name="mallela ruchitha" userId="fda2a83378fd8632" providerId="LiveId" clId="{EBE2AFD5-0948-485D-B727-60231ACFCE2F}" dt="2025-12-30T13:33:29.328" v="114" actId="2696"/>
-        <pc:sldMkLst>
-          <pc:docMk/>
-          <pc:sldMk cId="845380138" sldId="267"/>
-        </pc:sldMkLst>
-        <pc:spChg chg="mod">
-          <ac:chgData name="mallela ruchitha" userId="fda2a83378fd8632" providerId="LiveId" clId="{EBE2AFD5-0948-485D-B727-60231ACFCE2F}" dt="2025-12-30T13:30:53.058" v="62" actId="20577"/>
-          <ac:spMkLst>
-            <pc:docMk/>
-            <pc:sldMk cId="845380138" sldId="267"/>
-            <ac:spMk id="2" creationId="{93F95B1A-23AA-4870-6150-191D02A78AF9}"/>
-          </ac:spMkLst>
-        </pc:spChg>
-        <pc:spChg chg="add del mod">
-          <ac:chgData name="mallela ruchitha" userId="fda2a83378fd8632" providerId="LiveId" clId="{EBE2AFD5-0948-485D-B727-60231ACFCE2F}" dt="2025-12-30T13:31:25.616" v="66" actId="27636"/>
-          <ac:spMkLst>
-            <pc:docMk/>
-            <pc:sldMk cId="845380138" sldId="267"/>
-            <ac:spMk id="3" creationId="{F72130EE-6465-D474-1AFA-F316E6A5C6B6}"/>
-          </ac:spMkLst>
-        </pc:spChg>
-        <pc:spChg chg="add mod">
-          <ac:chgData name="mallela ruchitha" userId="fda2a83378fd8632" providerId="LiveId" clId="{EBE2AFD5-0948-485D-B727-60231ACFCE2F}" dt="2025-12-30T13:31:23.856" v="64"/>
-          <ac:spMkLst>
-            <pc:docMk/>
-            <pc:sldMk cId="845380138" sldId="267"/>
-            <ac:spMk id="4" creationId="{4A659136-F159-6926-2E09-08822247D2ED}"/>
-          </ac:spMkLst>
-        </pc:spChg>
-      </pc:sldChg>
       <pc:sldChg chg="addSp delSp modSp new mod">
         <pc:chgData name="mallela ruchitha" userId="fda2a83378fd8632" providerId="LiveId" clId="{EBE2AFD5-0948-485D-B727-60231ACFCE2F}" dt="2025-12-30T14:30:13.797" v="690" actId="207"/>
         <pc:sldMkLst>
@@ -383,21 +316,6 @@
             <ac:spMk id="4" creationId="{F6969BFE-B10E-A016-E5BB-61B98E5A3495}"/>
           </ac:spMkLst>
         </pc:spChg>
-        <pc:spChg chg="add del">
-          <ac:chgData name="mallela ruchitha" userId="fda2a83378fd8632" providerId="LiveId" clId="{EBE2AFD5-0948-485D-B727-60231ACFCE2F}" dt="2025-12-30T13:35:19.856" v="119" actId="478"/>
-          <ac:spMkLst>
-            <pc:docMk/>
-            <pc:sldMk cId="3390529325" sldId="268"/>
-            <ac:spMk id="5" creationId="{658F4002-C9F7-AD89-EA3A-5EC946732900}"/>
-          </ac:spMkLst>
-        </pc:spChg>
-      </pc:sldChg>
-      <pc:sldChg chg="new del">
-        <pc:chgData name="mallela ruchitha" userId="fda2a83378fd8632" providerId="LiveId" clId="{EBE2AFD5-0948-485D-B727-60231ACFCE2F}" dt="2025-12-30T13:38:44.195" v="135" actId="2696"/>
-        <pc:sldMkLst>
-          <pc:docMk/>
-          <pc:sldMk cId="632573640" sldId="269"/>
-        </pc:sldMkLst>
       </pc:sldChg>
       <pc:sldChg chg="modSp new mod ord">
         <pc:chgData name="mallela ruchitha" userId="fda2a83378fd8632" providerId="LiveId" clId="{EBE2AFD5-0948-485D-B727-60231ACFCE2F}" dt="2025-12-30T18:10:08.246" v="886" actId="27636"/>
@@ -499,100 +417,6 @@
           </ac:spMkLst>
         </pc:spChg>
       </pc:sldChg>
-      <pc:sldChg chg="modSp new del">
-        <pc:chgData name="mallela ruchitha" userId="fda2a83378fd8632" providerId="LiveId" clId="{EBE2AFD5-0948-485D-B727-60231ACFCE2F}" dt="2025-12-30T13:46:18.116" v="167" actId="2696"/>
-        <pc:sldMkLst>
-          <pc:docMk/>
-          <pc:sldMk cId="3763601384" sldId="273"/>
-        </pc:sldMkLst>
-        <pc:spChg chg="mod">
-          <ac:chgData name="mallela ruchitha" userId="fda2a83378fd8632" providerId="LiveId" clId="{EBE2AFD5-0948-485D-B727-60231ACFCE2F}" dt="2025-12-30T13:44:35.200" v="159"/>
-          <ac:spMkLst>
-            <pc:docMk/>
-            <pc:sldMk cId="3763601384" sldId="273"/>
-            <ac:spMk id="2" creationId="{B1FBB0D8-F987-92FC-46AF-C6B74C3E78D9}"/>
-          </ac:spMkLst>
-        </pc:spChg>
-      </pc:sldChg>
-      <pc:sldChg chg="addSp delSp modSp new del mod">
-        <pc:chgData name="mallela ruchitha" userId="fda2a83378fd8632" providerId="LiveId" clId="{EBE2AFD5-0948-485D-B727-60231ACFCE2F}" dt="2025-12-30T14:05:26.086" v="250" actId="2696"/>
-        <pc:sldMkLst>
-          <pc:docMk/>
-          <pc:sldMk cId="3822889247" sldId="273"/>
-        </pc:sldMkLst>
-        <pc:spChg chg="mod">
-          <ac:chgData name="mallela ruchitha" userId="fda2a83378fd8632" providerId="LiveId" clId="{EBE2AFD5-0948-485D-B727-60231ACFCE2F}" dt="2025-12-30T14:05:21.241" v="249" actId="20577"/>
-          <ac:spMkLst>
-            <pc:docMk/>
-            <pc:sldMk cId="3822889247" sldId="273"/>
-            <ac:spMk id="2" creationId="{7667E9C6-2E04-8B7B-C68E-DEA26D3E0273}"/>
-          </ac:spMkLst>
-        </pc:spChg>
-        <pc:spChg chg="mod">
-          <ac:chgData name="mallela ruchitha" userId="fda2a83378fd8632" providerId="LiveId" clId="{EBE2AFD5-0948-485D-B727-60231ACFCE2F}" dt="2025-12-30T14:03:01.441" v="203" actId="27636"/>
-          <ac:spMkLst>
-            <pc:docMk/>
-            <pc:sldMk cId="3822889247" sldId="273"/>
-            <ac:spMk id="3" creationId="{5EDF2DF2-892C-150F-BDA2-4F5818525E62}"/>
-          </ac:spMkLst>
-        </pc:spChg>
-        <pc:spChg chg="del">
-          <ac:chgData name="mallela ruchitha" userId="fda2a83378fd8632" providerId="LiveId" clId="{EBE2AFD5-0948-485D-B727-60231ACFCE2F}" dt="2025-12-30T13:59:21.940" v="171"/>
-          <ac:spMkLst>
-            <pc:docMk/>
-            <pc:sldMk cId="3822889247" sldId="273"/>
-            <ac:spMk id="4" creationId="{1A610471-9580-5702-E7FD-2124931C6539}"/>
-          </ac:spMkLst>
-        </pc:spChg>
-        <pc:spChg chg="mod">
-          <ac:chgData name="mallela ruchitha" userId="fda2a83378fd8632" providerId="LiveId" clId="{EBE2AFD5-0948-485D-B727-60231ACFCE2F}" dt="2025-12-30T14:05:07.559" v="246" actId="20577"/>
-          <ac:spMkLst>
-            <pc:docMk/>
-            <pc:sldMk cId="3822889247" sldId="273"/>
-            <ac:spMk id="5" creationId="{2C0406D1-C8DE-F86A-E126-3D8AC91FDA4E}"/>
-          </ac:spMkLst>
-        </pc:spChg>
-        <pc:spChg chg="del">
-          <ac:chgData name="mallela ruchitha" userId="fda2a83378fd8632" providerId="LiveId" clId="{EBE2AFD5-0948-485D-B727-60231ACFCE2F}" dt="2025-12-30T14:00:32.009" v="176"/>
-          <ac:spMkLst>
-            <pc:docMk/>
-            <pc:sldMk cId="3822889247" sldId="273"/>
-            <ac:spMk id="6" creationId="{26DC127E-544D-8C60-E2A7-E0FA920C4373}"/>
-          </ac:spMkLst>
-        </pc:spChg>
-        <pc:spChg chg="add mod">
-          <ac:chgData name="mallela ruchitha" userId="fda2a83378fd8632" providerId="LiveId" clId="{EBE2AFD5-0948-485D-B727-60231ACFCE2F}" dt="2025-12-30T14:05:12.463" v="248" actId="5793"/>
-          <ac:spMkLst>
-            <pc:docMk/>
-            <pc:sldMk cId="3822889247" sldId="273"/>
-            <ac:spMk id="7" creationId="{6DE6BE1F-4693-DADC-D966-8E7A703B8047}"/>
-          </ac:spMkLst>
-        </pc:spChg>
-        <pc:spChg chg="add del mod">
-          <ac:chgData name="mallela ruchitha" userId="fda2a83378fd8632" providerId="LiveId" clId="{EBE2AFD5-0948-485D-B727-60231ACFCE2F}" dt="2025-12-30T14:04:09.318" v="241"/>
-          <ac:spMkLst>
-            <pc:docMk/>
-            <pc:sldMk cId="3822889247" sldId="273"/>
-            <ac:spMk id="8" creationId="{22584910-777B-3E91-D3D7-023B43D79815}"/>
-          </ac:spMkLst>
-        </pc:spChg>
-        <pc:spChg chg="add del mod">
-          <ac:chgData name="mallela ruchitha" userId="fda2a83378fd8632" providerId="LiveId" clId="{EBE2AFD5-0948-485D-B727-60231ACFCE2F}" dt="2025-12-30T14:02:31.307" v="195"/>
-          <ac:spMkLst>
-            <pc:docMk/>
-            <pc:sldMk cId="3822889247" sldId="273"/>
-            <ac:spMk id="9" creationId="{82F1328B-8106-620D-F3E0-747824A4ACF6}"/>
-          </ac:spMkLst>
-        </pc:spChg>
-        <pc:spChg chg="add mod">
-          <ac:chgData name="mallela ruchitha" userId="fda2a83378fd8632" providerId="LiveId" clId="{EBE2AFD5-0948-485D-B727-60231ACFCE2F}" dt="2025-12-30T14:05:10.254" v="247"/>
-          <ac:spMkLst>
-            <pc:docMk/>
-            <pc:sldMk cId="3822889247" sldId="273"/>
-            <ac:spMk id="10" creationId="{7BD5FF98-9BA9-9CC7-9482-730B2A9EBA10}"/>
-          </ac:spMkLst>
-        </pc:spChg>
-      </pc:sldChg>
       <pc:sldChg chg="addSp delSp modSp new mod">
         <pc:chgData name="mallela ruchitha" userId="fda2a83378fd8632" providerId="LiveId" clId="{EBE2AFD5-0948-485D-B727-60231ACFCE2F}" dt="2025-12-30T18:10:52.443" v="889" actId="1076"/>
         <pc:sldMkLst>
@@ -605,14 +429,6 @@
             <pc:docMk/>
             <pc:sldMk cId="2757757668" sldId="274"/>
             <ac:spMk id="2" creationId="{7DF98004-AE2D-714B-0A34-09E197F8F67D}"/>
-          </ac:spMkLst>
-        </pc:spChg>
-        <pc:spChg chg="del">
-          <ac:chgData name="mallela ruchitha" userId="fda2a83378fd8632" providerId="LiveId" clId="{EBE2AFD5-0948-485D-B727-60231ACFCE2F}" dt="2025-12-30T14:10:47.810" v="288"/>
-          <ac:spMkLst>
-            <pc:docMk/>
-            <pc:sldMk cId="2757757668" sldId="274"/>
-            <ac:spMk id="3" creationId="{8856AFB6-187D-8F05-6A9A-8F151B286CD4}"/>
           </ac:spMkLst>
         </pc:spChg>
         <pc:spChg chg="add mod">
@@ -664,13 +480,6 @@
           </ac:picMkLst>
         </pc:picChg>
       </pc:sldChg>
-      <pc:sldChg chg="add del">
-        <pc:chgData name="mallela ruchitha" userId="fda2a83378fd8632" providerId="LiveId" clId="{EBE2AFD5-0948-485D-B727-60231ACFCE2F}" dt="2025-12-30T14:05:46.181" v="255"/>
-        <pc:sldMkLst>
-          <pc:docMk/>
-          <pc:sldMk cId="2808901507" sldId="274"/>
-        </pc:sldMkLst>
-      </pc:sldChg>
       <pc:sldChg chg="modSp add mod">
         <pc:chgData name="mallela ruchitha" userId="fda2a83378fd8632" providerId="LiveId" clId="{EBE2AFD5-0948-485D-B727-60231ACFCE2F}" dt="2025-12-30T18:07:26.337" v="875" actId="123"/>
         <pc:sldMkLst>
@@ -693,44 +502,6 @@
             <ac:spMk id="7" creationId="{BA173E7D-F555-B5AA-B237-D93AE490F562}"/>
           </ac:spMkLst>
         </pc:spChg>
-      </pc:sldChg>
-      <pc:sldChg chg="add del">
-        <pc:chgData name="mallela ruchitha" userId="fda2a83378fd8632" providerId="LiveId" clId="{EBE2AFD5-0948-485D-B727-60231ACFCE2F}" dt="2025-12-30T14:05:45.344" v="254"/>
-        <pc:sldMkLst>
-          <pc:docMk/>
-          <pc:sldMk cId="2965091554" sldId="275"/>
-        </pc:sldMkLst>
-      </pc:sldChg>
-      <pc:sldChg chg="addSp delSp modSp new del mod">
-        <pc:chgData name="mallela ruchitha" userId="fda2a83378fd8632" providerId="LiveId" clId="{EBE2AFD5-0948-485D-B727-60231ACFCE2F}" dt="2025-12-30T14:15:07.526" v="328" actId="2696"/>
-        <pc:sldMkLst>
-          <pc:docMk/>
-          <pc:sldMk cId="3677878628" sldId="275"/>
-        </pc:sldMkLst>
-        <pc:spChg chg="del">
-          <ac:chgData name="mallela ruchitha" userId="fda2a83378fd8632" providerId="LiveId" clId="{EBE2AFD5-0948-485D-B727-60231ACFCE2F}" dt="2025-12-30T14:14:47.534" v="324" actId="931"/>
-          <ac:spMkLst>
-            <pc:docMk/>
-            <pc:sldMk cId="3677878628" sldId="275"/>
-            <ac:spMk id="3" creationId="{412BF20F-22C3-AEA5-1D9F-1DCAA793B7F2}"/>
-          </ac:spMkLst>
-        </pc:spChg>
-        <pc:spChg chg="add mod">
-          <ac:chgData name="mallela ruchitha" userId="fda2a83378fd8632" providerId="LiveId" clId="{EBE2AFD5-0948-485D-B727-60231ACFCE2F}" dt="2025-12-30T14:15:03.497" v="327" actId="478"/>
-          <ac:spMkLst>
-            <pc:docMk/>
-            <pc:sldMk cId="3677878628" sldId="275"/>
-            <ac:spMk id="7" creationId="{BA173E7D-F555-B5AA-B237-D93AE490F562}"/>
-          </ac:spMkLst>
-        </pc:spChg>
-        <pc:picChg chg="add del mod">
-          <ac:chgData name="mallela ruchitha" userId="fda2a83378fd8632" providerId="LiveId" clId="{EBE2AFD5-0948-485D-B727-60231ACFCE2F}" dt="2025-12-30T14:15:03.497" v="327" actId="478"/>
-          <ac:picMkLst>
-            <pc:docMk/>
-            <pc:sldMk cId="3677878628" sldId="275"/>
-            <ac:picMk id="5" creationId="{E230AE23-185B-08DB-21D0-271AA49C1E34}"/>
-          </ac:picMkLst>
-        </pc:picChg>
       </pc:sldChg>
       <pc:sldChg chg="addSp modSp new mod">
         <pc:chgData name="mallela ruchitha" userId="fda2a83378fd8632" providerId="LiveId" clId="{EBE2AFD5-0948-485D-B727-60231ACFCE2F}" dt="2025-12-30T18:07:16.136" v="874" actId="1076"/>
@@ -786,6 +557,61 @@
           </ac:spMkLst>
         </pc:spChg>
       </pc:sldChg>
+      <pc:sldChg chg="addSp modSp new mod">
+        <pc:chgData name="mallela ruchitha" userId="fda2a83378fd8632" providerId="LiveId" clId="{EBE2AFD5-0948-485D-B727-60231ACFCE2F}" dt="2026-01-14T07:03:53.993" v="1050" actId="20577"/>
+        <pc:sldMkLst>
+          <pc:docMk/>
+          <pc:sldMk cId="793478571" sldId="278"/>
+        </pc:sldMkLst>
+        <pc:spChg chg="mod">
+          <ac:chgData name="mallela ruchitha" userId="fda2a83378fd8632" providerId="LiveId" clId="{EBE2AFD5-0948-485D-B727-60231ACFCE2F}" dt="2026-01-14T06:51:46.821" v="931" actId="207"/>
+          <ac:spMkLst>
+            <pc:docMk/>
+            <pc:sldMk cId="793478571" sldId="278"/>
+            <ac:spMk id="2" creationId="{FC1A3604-2399-548A-D4BF-EDA79956034A}"/>
+          </ac:spMkLst>
+        </pc:spChg>
+        <pc:spChg chg="mod">
+          <ac:chgData name="mallela ruchitha" userId="fda2a83378fd8632" providerId="LiveId" clId="{EBE2AFD5-0948-485D-B727-60231ACFCE2F}" dt="2026-01-14T07:03:53.993" v="1050" actId="20577"/>
+          <ac:spMkLst>
+            <pc:docMk/>
+            <pc:sldMk cId="793478571" sldId="278"/>
+            <ac:spMk id="3" creationId="{B35D4CC6-E80A-0E83-27AD-BE4371F1DFFD}"/>
+          </ac:spMkLst>
+        </pc:spChg>
+        <pc:spChg chg="add">
+          <ac:chgData name="mallela ruchitha" userId="fda2a83378fd8632" providerId="LiveId" clId="{EBE2AFD5-0948-485D-B727-60231ACFCE2F}" dt="2026-01-14T06:58:44.490" v="1007"/>
+          <ac:spMkLst>
+            <pc:docMk/>
+            <pc:sldMk cId="793478571" sldId="278"/>
+            <ac:spMk id="4" creationId="{4E9EB035-C8D3-4C97-E1A6-A4921F8A2C15}"/>
+          </ac:spMkLst>
+        </pc:spChg>
+        <pc:spChg chg="add">
+          <ac:chgData name="mallela ruchitha" userId="fda2a83378fd8632" providerId="LiveId" clId="{EBE2AFD5-0948-485D-B727-60231ACFCE2F}" dt="2026-01-14T06:58:59.380" v="1011"/>
+          <ac:spMkLst>
+            <pc:docMk/>
+            <pc:sldMk cId="793478571" sldId="278"/>
+            <ac:spMk id="5" creationId="{14D3D313-3A6B-8638-9763-14F94CBA39B6}"/>
+          </ac:spMkLst>
+        </pc:spChg>
+        <pc:spChg chg="add">
+          <ac:chgData name="mallela ruchitha" userId="fda2a83378fd8632" providerId="LiveId" clId="{EBE2AFD5-0948-485D-B727-60231ACFCE2F}" dt="2026-01-14T06:59:14.451" v="1019"/>
+          <ac:spMkLst>
+            <pc:docMk/>
+            <pc:sldMk cId="793478571" sldId="278"/>
+            <ac:spMk id="6" creationId="{AA73208B-7F3B-94D0-EF6C-42DB3A9A6F53}"/>
+          </ac:spMkLst>
+        </pc:spChg>
+        <pc:spChg chg="add mod">
+          <ac:chgData name="mallela ruchitha" userId="fda2a83378fd8632" providerId="LiveId" clId="{EBE2AFD5-0948-485D-B727-60231ACFCE2F}" dt="2026-01-14T07:02:48.262" v="1040" actId="20577"/>
+          <ac:spMkLst>
+            <pc:docMk/>
+            <pc:sldMk cId="793478571" sldId="278"/>
+            <ac:spMk id="7" creationId="{BB82C3A7-E379-3C8E-1DD0-012E1338E287}"/>
+          </ac:spMkLst>
+        </pc:spChg>
+      </pc:sldChg>
     </pc:docChg>
   </pc:docChgLst>
 </pc:chgInfo>
@@ -873,7 +699,7 @@
           <a:p>
             <a:fld id="{C010C0DA-1B53-4B3A-B75E-75D83CF6BBB1}" type="datetimeFigureOut">
               <a:rPr lang="en-IN" smtClean="0"/>
-              <a:t>30-12-2025</a:t>
+              <a:t>14-01-2026</a:t>
             </a:fld>
             <a:endParaRPr lang="en-IN" dirty="0"/>
           </a:p>
@@ -1206,7 +1032,7 @@
           <a:p>
             <a:fld id="{9AE22E4C-0BD0-47D6-B042-FF9058D0C01A}" type="slidenum">
               <a:rPr lang="en-IN" smtClean="0"/>
-              <a:t>15</a:t>
+              <a:t>16</a:t>
             </a:fld>
             <a:endParaRPr lang="en-IN" dirty="0"/>
           </a:p>
@@ -1451,7 +1277,7 @@
           <a:p>
             <a:fld id="{4BDF68E2-58F2-4D09-BE8B-E3BD06533059}" type="datetimeFigureOut">
               <a:rPr lang="en-US" dirty="0"/>
-              <a:t>12/30/2025</a:t>
+              <a:t>1/14/2026</a:t>
             </a:fld>
             <a:endParaRPr lang="en-US" dirty="0"/>
           </a:p>
@@ -1654,7 +1480,7 @@
           <a:p>
             <a:fld id="{2E2D6473-DF6D-4702-B328-E0DD40540A4E}" type="datetimeFigureOut">
               <a:rPr lang="en-US" dirty="0"/>
-              <a:t>12/30/2025</a:t>
+              <a:t>1/14/2026</a:t>
             </a:fld>
             <a:endParaRPr lang="en-US" dirty="0"/>
           </a:p>
@@ -1905,7 +1731,7 @@
           <a:p>
             <a:fld id="{E26F7E3A-B166-407D-9866-32884E7D5B37}" type="datetimeFigureOut">
               <a:rPr lang="en-US" dirty="0"/>
-              <a:t>12/30/2025</a:t>
+              <a:t>1/14/2026</a:t>
             </a:fld>
             <a:endParaRPr lang="en-US" dirty="0"/>
           </a:p>
@@ -2074,7 +1900,7 @@
           <a:p>
             <a:fld id="{528FC5F6-F338-4AE4-BB23-26385BCFC423}" type="datetimeFigureOut">
               <a:rPr lang="en-US" dirty="0"/>
-              <a:t>12/30/2025</a:t>
+              <a:t>1/14/2026</a:t>
             </a:fld>
             <a:endParaRPr lang="en-US" dirty="0"/>
           </a:p>
@@ -2412,7 +2238,7 @@
           <a:p>
             <a:fld id="{20EBB0C4-6273-4C6E-B9BD-2EDC30F1CD52}" type="datetimeFigureOut">
               <a:rPr lang="en-US" dirty="0"/>
-              <a:t>12/30/2025</a:t>
+              <a:t>1/14/2026</a:t>
             </a:fld>
             <a:endParaRPr lang="en-US" dirty="0"/>
           </a:p>
@@ -2682,7 +2508,7 @@
           <a:p>
             <a:fld id="{19AB4D41-86C1-4908-B66A-0B50CEB3BF29}" type="datetimeFigureOut">
               <a:rPr lang="en-US" dirty="0"/>
-              <a:t>12/30/2025</a:t>
+              <a:t>1/14/2026</a:t>
             </a:fld>
             <a:endParaRPr lang="en-US" dirty="0"/>
           </a:p>
@@ -3056,7 +2882,7 @@
           <a:p>
             <a:fld id="{E6426E2C-56C1-4E0D-A793-0088A7FDD37E}" type="datetimeFigureOut">
               <a:rPr lang="en-US" dirty="0"/>
-              <a:t>12/30/2025</a:t>
+              <a:t>1/14/2026</a:t>
             </a:fld>
             <a:endParaRPr lang="en-US" dirty="0"/>
           </a:p>
@@ -3169,7 +2995,7 @@
           <a:p>
             <a:fld id="{C8C39B41-D8B5-4052-B551-9B5525EAA8B6}" type="datetimeFigureOut">
               <a:rPr lang="en-US" dirty="0"/>
-              <a:t>12/30/2025</a:t>
+              <a:t>1/14/2026</a:t>
             </a:fld>
             <a:endParaRPr lang="en-US" dirty="0"/>
           </a:p>
@@ -3335,7 +3161,7 @@
           <a:p>
             <a:fld id="{4D94136C-8742-45B2-AF27-D93DF72833A9}" type="datetimeFigureOut">
               <a:rPr lang="en-US" dirty="0"/>
-              <a:t>12/30/2025</a:t>
+              <a:t>1/14/2026</a:t>
             </a:fld>
             <a:endParaRPr lang="en-US" dirty="0"/>
           </a:p>
@@ -3685,7 +3511,7 @@
           <a:p>
             <a:fld id="{32ABBEA6-7C60-4B02-AE87-00D78D8422AF}" type="datetimeFigureOut">
               <a:rPr lang="en-US" dirty="0"/>
-              <a:t>12/30/2025</a:t>
+              <a:t>1/14/2026</a:t>
             </a:fld>
             <a:endParaRPr lang="en-US" dirty="0"/>
           </a:p>
@@ -4062,7 +3888,7 @@
           <a:p>
             <a:fld id="{C9CAD897-D46E-4AD2-BD9B-49DD3E640873}" type="datetimeFigureOut">
               <a:rPr lang="en-US" dirty="0"/>
-              <a:t>12/30/2025</a:t>
+              <a:t>1/14/2026</a:t>
             </a:fld>
             <a:endParaRPr lang="en-US" dirty="0"/>
           </a:p>
@@ -4344,7 +4170,7 @@
           <a:p>
             <a:fld id="{98624D31-43A5-475A-80CF-332C9F6DCF35}" type="datetimeFigureOut">
               <a:rPr lang="en-US" dirty="0"/>
-              <a:t>12/30/2025</a:t>
+              <a:t>1/14/2026</a:t>
             </a:fld>
             <a:endParaRPr lang="en-US" dirty="0"/>
           </a:p>
@@ -6397,6 +6223,264 @@
           <p:cNvPr id="2" name="Title 1">
             <a:extLst>
               <a:ext uri="{FF2B5EF4-FFF2-40B4-BE49-F238E27FC236}">
+                <a16:creationId xmlns:a16="http://schemas.microsoft.com/office/drawing/2014/main" id="{FC1A3604-2399-548A-D4BF-EDA79956034A}"/>
+              </a:ext>
+            </a:extLst>
+          </p:cNvPr>
+          <p:cNvSpPr>
+            <a:spLocks noGrp="1"/>
+          </p:cNvSpPr>
+          <p:nvPr>
+            <p:ph type="title"/>
+          </p:nvPr>
+        </p:nvSpPr>
+        <p:spPr/>
+        <p:txBody>
+          <a:bodyPr/>
+          <a:lstStyle/>
+          <a:p>
+            <a:r>
+              <a:rPr lang="en-IN" dirty="0">
+                <a:solidFill>
+                  <a:schemeClr val="accent3"/>
+                </a:solidFill>
+                <a:latin typeface="Cooper Black" panose="0208090404030B020404" pitchFamily="18" charset="0"/>
+              </a:rPr>
+              <a:t>Team Contribution </a:t>
+            </a:r>
+          </a:p>
+        </p:txBody>
+      </p:sp>
+      <p:sp>
+        <p:nvSpPr>
+          <p:cNvPr id="3" name="Content Placeholder 2">
+            <a:extLst>
+              <a:ext uri="{FF2B5EF4-FFF2-40B4-BE49-F238E27FC236}">
+                <a16:creationId xmlns:a16="http://schemas.microsoft.com/office/drawing/2014/main" id="{B35D4CC6-E80A-0E83-27AD-BE4371F1DFFD}"/>
+              </a:ext>
+            </a:extLst>
+          </p:cNvPr>
+          <p:cNvSpPr>
+            <a:spLocks noGrp="1"/>
+          </p:cNvSpPr>
+          <p:nvPr>
+            <p:ph idx="1"/>
+          </p:nvPr>
+        </p:nvSpPr>
+        <p:spPr/>
+        <p:txBody>
+          <a:bodyPr>
+            <a:normAutofit fontScale="92500" lnSpcReduction="10000"/>
+          </a:bodyPr>
+          <a:lstStyle/>
+          <a:p>
+            <a:pPr algn="just">
+              <a:defRPr/>
+            </a:pPr>
+            <a:r>
+              <a:rPr lang="en-US" sz="2400" b="1" u="sng" dirty="0">
+                <a:solidFill>
+                  <a:schemeClr val="accent2"/>
+                </a:solidFill>
+                <a:latin typeface="Franklin Gothic Book"/>
+                <a:ea typeface="Franklin Gothic Book"/>
+                <a:cs typeface="Franklin Gothic Book"/>
+              </a:rPr>
+              <a:t>Ruchitha Mallela</a:t>
+            </a:r>
+            <a:endParaRPr lang="en-US" dirty="0">
+              <a:solidFill>
+                <a:schemeClr val="accent2"/>
+              </a:solidFill>
+              <a:latin typeface="Franklin Gothic Book"/>
+              <a:cs typeface="Franklin Gothic Book"/>
+            </a:endParaRPr>
+          </a:p>
+          <a:p>
+            <a:pPr algn="just">
+              <a:defRPr/>
+            </a:pPr>
+            <a:r>
+              <a:rPr lang="en-US" dirty="0">
+                <a:solidFill>
+                  <a:schemeClr val="accent2"/>
+                </a:solidFill>
+                <a:latin typeface="Times New Roman" panose="02020603050405020304" pitchFamily="18" charset="0"/>
+                <a:ea typeface="Franklin Gothic Book"/>
+                <a:cs typeface="Times New Roman" panose="02020603050405020304" pitchFamily="18" charset="0"/>
+              </a:rPr>
+              <a:t>The frontend development of the Smart AQI Monitoring and Prediction System was entirely handled by me and </a:t>
+            </a:r>
+            <a:r>
+              <a:rPr lang="en-US" dirty="0" err="1">
+                <a:solidFill>
+                  <a:schemeClr val="accent2"/>
+                </a:solidFill>
+                <a:latin typeface="Times New Roman" panose="02020603050405020304" pitchFamily="18" charset="0"/>
+                <a:ea typeface="Franklin Gothic Book"/>
+                <a:cs typeface="Times New Roman" panose="02020603050405020304" pitchFamily="18" charset="0"/>
+              </a:rPr>
+              <a:t>Iam</a:t>
+            </a:r>
+            <a:r>
+              <a:rPr lang="en-US">
+                <a:solidFill>
+                  <a:schemeClr val="accent2"/>
+                </a:solidFill>
+                <a:latin typeface="Times New Roman" panose="02020603050405020304" pitchFamily="18" charset="0"/>
+                <a:ea typeface="Franklin Gothic Book"/>
+                <a:cs typeface="Times New Roman" panose="02020603050405020304" pitchFamily="18" charset="0"/>
+              </a:rPr>
+              <a:t> responsible </a:t>
+            </a:r>
+            <a:r>
+              <a:rPr lang="en-US" dirty="0">
+                <a:solidFill>
+                  <a:schemeClr val="accent2"/>
+                </a:solidFill>
+                <a:latin typeface="Times New Roman" panose="02020603050405020304" pitchFamily="18" charset="0"/>
+                <a:ea typeface="Franklin Gothic Book"/>
+                <a:cs typeface="Times New Roman" panose="02020603050405020304" pitchFamily="18" charset="0"/>
+              </a:rPr>
+              <a:t>for designing and implementing the complete user interface using React.js. This included building responsive pages, integrating dynamic dashboards, visualizing AQI and pollutant data through charts, implementing city selection, theme toggling, and ensuring a smooth and user-friendly experience across the application.</a:t>
+            </a:r>
+            <a:r>
+              <a:rPr lang="en-US" dirty="0">
+                <a:latin typeface="Times New Roman" panose="02020603050405020304" pitchFamily="18" charset="0"/>
+                <a:cs typeface="Times New Roman" panose="02020603050405020304" pitchFamily="18" charset="0"/>
+              </a:rPr>
+              <a:t> </a:t>
+            </a:r>
+            <a:r>
+              <a:rPr lang="en-US" dirty="0">
+                <a:solidFill>
+                  <a:schemeClr val="accent2"/>
+                </a:solidFill>
+                <a:latin typeface="Times New Roman" panose="02020603050405020304" pitchFamily="18" charset="0"/>
+                <a:cs typeface="Times New Roman" panose="02020603050405020304" pitchFamily="18" charset="0"/>
+              </a:rPr>
+              <a:t>Additional sections like About, Profile, and health recommendation cards help users understand air quality impacts and system functionality.</a:t>
+            </a:r>
+          </a:p>
+          <a:p>
+            <a:pPr algn="just">
+              <a:defRPr/>
+            </a:pPr>
+            <a:r>
+              <a:rPr lang="en-US" sz="2400" b="1" dirty="0">
+                <a:solidFill>
+                  <a:schemeClr val="accent2"/>
+                </a:solidFill>
+                <a:latin typeface="Franklin Gothic Book"/>
+                <a:ea typeface="Franklin Gothic Book"/>
+                <a:cs typeface="Franklin Gothic Book"/>
+              </a:rPr>
+              <a:t>Rahul </a:t>
+            </a:r>
+            <a:r>
+              <a:rPr lang="en-US" sz="2400" b="1" dirty="0" err="1">
+                <a:solidFill>
+                  <a:schemeClr val="accent2"/>
+                </a:solidFill>
+                <a:latin typeface="Franklin Gothic Book"/>
+                <a:ea typeface="Franklin Gothic Book"/>
+                <a:cs typeface="Franklin Gothic Book"/>
+              </a:rPr>
+              <a:t>Kummara</a:t>
+            </a:r>
+            <a:endParaRPr lang="en-US" dirty="0">
+              <a:solidFill>
+                <a:schemeClr val="accent2"/>
+              </a:solidFill>
+              <a:latin typeface="Franklin Gothic Book"/>
+              <a:cs typeface="Franklin Gothic Book"/>
+            </a:endParaRPr>
+          </a:p>
+          <a:p>
+            <a:pPr algn="just">
+              <a:defRPr/>
+            </a:pPr>
+            <a:r>
+              <a:rPr lang="en-US" dirty="0">
+                <a:solidFill>
+                  <a:schemeClr val="accent2"/>
+                </a:solidFill>
+                <a:latin typeface="Franklin Gothic Book"/>
+                <a:ea typeface="Franklin Gothic Book"/>
+                <a:cs typeface="Franklin Gothic Book"/>
+              </a:rPr>
+              <a:t>The backend development was independently designed and implemented by </a:t>
+            </a:r>
+            <a:r>
+              <a:rPr lang="en-US" dirty="0" err="1">
+                <a:solidFill>
+                  <a:schemeClr val="accent2"/>
+                </a:solidFill>
+                <a:latin typeface="Franklin Gothic Book"/>
+                <a:ea typeface="Franklin Gothic Book"/>
+                <a:cs typeface="Franklin Gothic Book"/>
+              </a:rPr>
+              <a:t>rahul</a:t>
+            </a:r>
+            <a:r>
+              <a:rPr lang="en-US" dirty="0">
+                <a:solidFill>
+                  <a:schemeClr val="accent2"/>
+                </a:solidFill>
+                <a:latin typeface="Franklin Gothic Book"/>
+                <a:ea typeface="Franklin Gothic Book"/>
+                <a:cs typeface="Franklin Gothic Book"/>
+              </a:rPr>
+              <a:t>, covering end-to-end server-side functionality. And his  contribution included developing RESTful APIs using Flask, integrating real-time AQI data from external APIs, implementing secure user authentication with JWT and password hashing, designing MongoDB database interactions, training and deploying a machine learning model for AQI prediction, and ensuring seamless communication between the frontend and backend.</a:t>
+            </a:r>
+            <a:endParaRPr lang="en-US" dirty="0">
+              <a:solidFill>
+                <a:schemeClr val="accent2"/>
+              </a:solidFill>
+              <a:latin typeface="Franklin Gothic Book"/>
+              <a:cs typeface="Franklin Gothic Book"/>
+            </a:endParaRPr>
+          </a:p>
+          <a:p>
+            <a:endParaRPr lang="en-IN" dirty="0"/>
+          </a:p>
+        </p:txBody>
+      </p:sp>
+    </p:spTree>
+    <p:extLst>
+      <p:ext uri="{BB962C8B-B14F-4D97-AF65-F5344CB8AC3E}">
+        <p14:creationId xmlns:p14="http://schemas.microsoft.com/office/powerpoint/2010/main" val="793478571"/>
+      </p:ext>
+    </p:extLst>
+  </p:cSld>
+  <p:clrMapOvr>
+    <a:masterClrMapping/>
+  </p:clrMapOvr>
+</p:sld>
+</file>
+
+<file path=ppt/slides/slide15.xml><?xml version="1.0" encoding="utf-8"?>
+<p:sld xmlns:a="http://schemas.openxmlformats.org/drawingml/2006/main" xmlns:r="http://schemas.openxmlformats.org/officeDocument/2006/relationships" xmlns:p="http://schemas.openxmlformats.org/presentationml/2006/main">
+  <p:cSld>
+    <p:spTree>
+      <p:nvGrpSpPr>
+        <p:cNvPr id="1" name=""/>
+        <p:cNvGrpSpPr/>
+        <p:nvPr/>
+      </p:nvGrpSpPr>
+      <p:grpSpPr>
+        <a:xfrm>
+          <a:off x="0" y="0"/>
+          <a:ext cx="0" cy="0"/>
+          <a:chOff x="0" y="0"/>
+          <a:chExt cx="0" cy="0"/>
+        </a:xfrm>
+      </p:grpSpPr>
+      <p:sp>
+        <p:nvSpPr>
+          <p:cNvPr id="2" name="Title 1">
+            <a:extLst>
+              <a:ext uri="{FF2B5EF4-FFF2-40B4-BE49-F238E27FC236}">
                 <a16:creationId xmlns:a16="http://schemas.microsoft.com/office/drawing/2014/main" id="{7DF98004-AE2D-714B-0A34-09E197F8F67D}"/>
               </a:ext>
             </a:extLst>
@@ -6671,7 +6755,7 @@
 </p:sld>
 </file>
 
-<file path=ppt/slides/slide15.xml><?xml version="1.0" encoding="utf-8"?>
+<file path=ppt/slides/slide16.xml><?xml version="1.0" encoding="utf-8"?>
 <p:sld xmlns:a="http://schemas.openxmlformats.org/drawingml/2006/main" xmlns:r="http://schemas.openxmlformats.org/officeDocument/2006/relationships" xmlns:p="http://schemas.openxmlformats.org/presentationml/2006/main">
   <p:cSld>
     <p:spTree>
@@ -6845,7 +6929,7 @@
 </p:sld>
 </file>
 
-<file path=ppt/slides/slide16.xml><?xml version="1.0" encoding="utf-8"?>
+<file path=ppt/slides/slide17.xml><?xml version="1.0" encoding="utf-8"?>
 <p:sld xmlns:a="http://schemas.openxmlformats.org/drawingml/2006/main" xmlns:r="http://schemas.openxmlformats.org/officeDocument/2006/relationships" xmlns:p="http://schemas.openxmlformats.org/presentationml/2006/main">
   <p:cSld>
     <p:spTree>
@@ -6962,7 +7046,7 @@
 </p:sld>
 </file>
 
-<file path=ppt/slides/slide17.xml><?xml version="1.0" encoding="utf-8"?>
+<file path=ppt/slides/slide18.xml><?xml version="1.0" encoding="utf-8"?>
 <p:sld xmlns:a="http://schemas.openxmlformats.org/drawingml/2006/main" xmlns:r="http://schemas.openxmlformats.org/officeDocument/2006/relationships" xmlns:p="http://schemas.openxmlformats.org/presentationml/2006/main">
   <p:cSld>
     <p:spTree>
